--- a/Razor_UX.pptx
+++ b/Razor_UX.pptx
@@ -12,12 +12,12 @@
     <p:sldId id="260" r:id="rId3"/>
     <p:sldId id="259" r:id="rId4"/>
     <p:sldId id="261" r:id="rId5"/>
-    <p:sldId id="286" r:id="rId6"/>
-    <p:sldId id="282" r:id="rId7"/>
-    <p:sldId id="287" r:id="rId8"/>
-    <p:sldId id="262" r:id="rId9"/>
-    <p:sldId id="263" r:id="rId10"/>
-    <p:sldId id="283" r:id="rId11"/>
+    <p:sldId id="282" r:id="rId6"/>
+    <p:sldId id="287" r:id="rId7"/>
+    <p:sldId id="262" r:id="rId8"/>
+    <p:sldId id="263" r:id="rId9"/>
+    <p:sldId id="283" r:id="rId10"/>
+    <p:sldId id="286" r:id="rId11"/>
     <p:sldId id="264" r:id="rId12"/>
     <p:sldId id="265" r:id="rId13"/>
     <p:sldId id="266" r:id="rId14"/>
@@ -25,8 +25,8 @@
     <p:sldId id="284" r:id="rId16"/>
     <p:sldId id="285" r:id="rId17"/>
     <p:sldId id="268" r:id="rId18"/>
-    <p:sldId id="269" r:id="rId19"/>
-    <p:sldId id="288" r:id="rId20"/>
+    <p:sldId id="288" r:id="rId19"/>
+    <p:sldId id="269" r:id="rId20"/>
     <p:sldId id="289" r:id="rId21"/>
   </p:sldIdLst>
   <p:sldSz cx="12192000" cy="6858000"/>
@@ -6602,53 +6602,87 @@
             <p:ph type="title"/>
           </p:nvPr>
         </p:nvSpPr>
+        <p:spPr/>
+        <p:txBody>
+          <a:bodyPr/>
+          <a:lstStyle/>
+          <a:p>
+            <a:r>
+              <a:rPr lang="en-US" dirty="0" smtClean="0"/>
+              <a:t>Razor Syntax Rules</a:t>
+            </a:r>
+            <a:endParaRPr lang="en-US" dirty="0"/>
+          </a:p>
+        </p:txBody>
+      </p:sp>
+      <p:sp>
+        <p:nvSpPr>
+          <p:cNvPr id="3" name="Content Placeholder 2"/>
+          <p:cNvSpPr>
+            <a:spLocks noGrp="1"/>
+          </p:cNvSpPr>
+          <p:nvPr>
+            <p:ph idx="1"/>
+          </p:nvPr>
+        </p:nvSpPr>
         <p:spPr>
           <a:xfrm>
-            <a:off x="554183" y="452718"/>
-            <a:ext cx="9496652" cy="780337"/>
-          </a:xfrm>
-        </p:spPr>
-        <p:txBody>
-          <a:bodyPr/>
-          <a:lstStyle/>
-          <a:p>
+            <a:off x="928254" y="2064326"/>
+            <a:ext cx="9121599" cy="4184073"/>
+          </a:xfrm>
+        </p:spPr>
+        <p:txBody>
+          <a:bodyPr numCol="1"/>
+          <a:lstStyle/>
+          <a:p>
+            <a:pPr>
+              <a:lnSpc>
+                <a:spcPct val="200000"/>
+              </a:lnSpc>
+            </a:pPr>
             <a:r>
               <a:rPr lang="en-US" dirty="0" smtClean="0"/>
-              <a:t>ASPX VS RAZOR</a:t>
-            </a:r>
+              <a:t>Must be enclosed in @{….}</a:t>
+            </a:r>
+          </a:p>
+          <a:p>
+            <a:pPr>
+              <a:lnSpc>
+                <a:spcPct val="200000"/>
+              </a:lnSpc>
+            </a:pPr>
+            <a:r>
+              <a:rPr lang="en-US" dirty="0" smtClean="0"/>
+              <a:t>Statements must end with Semicolon “;”</a:t>
+            </a:r>
+          </a:p>
+          <a:p>
+            <a:pPr>
+              <a:lnSpc>
+                <a:spcPct val="200000"/>
+              </a:lnSpc>
+            </a:pPr>
+            <a:r>
+              <a:rPr lang="en-US" dirty="0" smtClean="0"/>
+              <a:t>Files will have .cshtml extension</a:t>
+            </a:r>
+          </a:p>
+          <a:p>
+            <a:pPr>
+              <a:lnSpc>
+                <a:spcPct val="200000"/>
+              </a:lnSpc>
+            </a:pPr>
+            <a:r>
+              <a:rPr lang="en-US" dirty="0" smtClean="0"/>
+              <a:t>Inline expressions like variables and functions start with @</a:t>
+            </a:r>
+          </a:p>
+          <a:p>
             <a:endParaRPr lang="en-US" dirty="0"/>
           </a:p>
         </p:txBody>
       </p:sp>
-      <p:pic>
-        <p:nvPicPr>
-          <p:cNvPr id="5" name="Content Placeholder 4"/>
-          <p:cNvPicPr>
-            <a:picLocks noGrp="1" noChangeAspect="1"/>
-          </p:cNvPicPr>
-          <p:nvPr>
-            <p:ph idx="1"/>
-          </p:nvPr>
-        </p:nvPicPr>
-        <p:blipFill>
-          <a:blip r:embed="rId2">
-            <a:extLst>
-              <a:ext uri="{28A0092B-C50C-407E-A947-70E740481C1C}">
-                <a14:useLocalDpi xmlns:a14="http://schemas.microsoft.com/office/drawing/2010/main" val="0"/>
-              </a:ext>
-            </a:extLst>
-          </a:blip>
-          <a:stretch>
-            <a:fillRect/>
-          </a:stretch>
-        </p:blipFill>
-        <p:spPr>
-          <a:xfrm>
-            <a:off x="554184" y="1534593"/>
-            <a:ext cx="4911810" cy="2774171"/>
-          </a:xfrm>
-        </p:spPr>
-      </p:pic>
       <p:sp>
         <p:nvSpPr>
           <p:cNvPr id="4" name="Slide Number Placeholder 3"/>
@@ -6672,46 +6706,16 @@
           </a:p>
         </p:txBody>
       </p:sp>
-      <p:pic>
-        <p:nvPicPr>
-          <p:cNvPr id="6" name="Picture 5"/>
-          <p:cNvPicPr>
-            <a:picLocks noChangeAspect="1"/>
-          </p:cNvPicPr>
+      <p:sp>
+        <p:nvSpPr>
+          <p:cNvPr id="5" name="TextBox 4"/>
+          <p:cNvSpPr txBox="1"/>
           <p:nvPr/>
-        </p:nvPicPr>
-        <p:blipFill>
-          <a:blip r:embed="rId3">
-            <a:extLst>
-              <a:ext uri="{28A0092B-C50C-407E-A947-70E740481C1C}">
-                <a14:useLocalDpi xmlns:a14="http://schemas.microsoft.com/office/drawing/2010/main" val="0"/>
-              </a:ext>
-            </a:extLst>
-          </a:blip>
-          <a:stretch>
-            <a:fillRect/>
-          </a:stretch>
-        </p:blipFill>
+        </p:nvSpPr>
         <p:spPr>
           <a:xfrm>
-            <a:off x="5723389" y="1534593"/>
-            <a:ext cx="5332506" cy="2774171"/>
-          </a:xfrm>
-          <a:prstGeom prst="rect">
-            <a:avLst/>
-          </a:prstGeom>
-        </p:spPr>
-      </p:pic>
-      <p:sp>
-        <p:nvSpPr>
-          <p:cNvPr id="7" name="TextBox 6"/>
-          <p:cNvSpPr txBox="1"/>
-          <p:nvPr/>
-        </p:nvSpPr>
-        <p:spPr>
-          <a:xfrm>
-            <a:off x="1066800" y="4599709"/>
-            <a:ext cx="4156364" cy="369332"/>
+            <a:off x="9074728" y="6248399"/>
+            <a:ext cx="2576946" cy="369332"/>
           </a:xfrm>
           <a:prstGeom prst="rect">
             <a:avLst/>
@@ -6725,38 +6729,16 @@
           <a:lstStyle/>
           <a:p>
             <a:r>
-              <a:rPr lang="en-US" dirty="0" smtClean="0"/>
-              <a:t>Sample code from ASPX file</a:t>
-            </a:r>
-            <a:endParaRPr lang="en-US" dirty="0"/>
-          </a:p>
-        </p:txBody>
-      </p:sp>
-      <p:sp>
-        <p:nvSpPr>
-          <p:cNvPr id="8" name="TextBox 7"/>
-          <p:cNvSpPr txBox="1"/>
-          <p:nvPr/>
-        </p:nvSpPr>
-        <p:spPr>
-          <a:xfrm>
-            <a:off x="6428509" y="4599709"/>
-            <a:ext cx="4281055" cy="369332"/>
-          </a:xfrm>
-          <a:prstGeom prst="rect">
-            <a:avLst/>
-          </a:prstGeom>
-          <a:noFill/>
-        </p:spPr>
-        <p:txBody>
-          <a:bodyPr wrap="square" rtlCol="0">
-            <a:spAutoFit/>
-          </a:bodyPr>
-          <a:lstStyle/>
-          <a:p>
-            <a:r>
-              <a:rPr lang="en-US" dirty="0" smtClean="0"/>
-              <a:t>Same code using RAZOR syntax</a:t>
+              <a:rPr lang="en-US" dirty="0" err="1"/>
+              <a:t>Hyndavi</a:t>
+            </a:r>
+            <a:r>
+              <a:rPr lang="en-US" dirty="0"/>
+              <a:t> </a:t>
+            </a:r>
+            <a:r>
+              <a:rPr lang="en-US" dirty="0" err="1"/>
+              <a:t>Musipatla</a:t>
             </a:r>
             <a:endParaRPr lang="en-US" dirty="0"/>
           </a:p>
@@ -6765,13 +6747,20 @@
     </p:spTree>
     <p:extLst>
       <p:ext uri="{BB962C8B-B14F-4D97-AF65-F5344CB8AC3E}">
-        <p14:creationId xmlns:p14="http://schemas.microsoft.com/office/powerpoint/2010/main" val="667297492"/>
+        <p14:creationId xmlns:p14="http://schemas.microsoft.com/office/powerpoint/2010/main" val="2539243348"/>
       </p:ext>
     </p:extLst>
   </p:cSld>
   <p:clrMapOvr>
     <a:masterClrMapping/>
   </p:clrMapOvr>
+  <p:timing>
+    <p:tnLst>
+      <p:par>
+        <p:cTn id="1" dur="indefinite" restart="never" nodeType="tmRoot"/>
+      </p:par>
+    </p:tnLst>
+  </p:timing>
 </p:sld>
 </file>
 
@@ -6887,6 +6876,44 @@
               <a:t>11</a:t>
             </a:fld>
             <a:endParaRPr lang="en-US"/>
+          </a:p>
+        </p:txBody>
+      </p:sp>
+      <p:sp>
+        <p:nvSpPr>
+          <p:cNvPr id="2" name="TextBox 1"/>
+          <p:cNvSpPr txBox="1"/>
+          <p:nvPr/>
+        </p:nvSpPr>
+        <p:spPr>
+          <a:xfrm>
+            <a:off x="9005455" y="6137564"/>
+            <a:ext cx="2396836" cy="369332"/>
+          </a:xfrm>
+          <a:prstGeom prst="rect">
+            <a:avLst/>
+          </a:prstGeom>
+          <a:noFill/>
+        </p:spPr>
+        <p:txBody>
+          <a:bodyPr wrap="square" rtlCol="0">
+            <a:spAutoFit/>
+          </a:bodyPr>
+          <a:lstStyle/>
+          <a:p>
+            <a:r>
+              <a:rPr lang="en-US" dirty="0" err="1" smtClean="0"/>
+              <a:t>Hyndavi</a:t>
+            </a:r>
+            <a:r>
+              <a:rPr lang="en-US" dirty="0" smtClean="0"/>
+              <a:t> </a:t>
+            </a:r>
+            <a:r>
+              <a:rPr lang="en-US" dirty="0" err="1" smtClean="0"/>
+              <a:t>Musipatla</a:t>
+            </a:r>
+            <a:endParaRPr lang="en-US" dirty="0"/>
           </a:p>
         </p:txBody>
       </p:sp>
@@ -7044,6 +7071,44 @@
           </a:p>
         </p:txBody>
       </p:sp>
+      <p:sp>
+        <p:nvSpPr>
+          <p:cNvPr id="2" name="TextBox 1"/>
+          <p:cNvSpPr txBox="1"/>
+          <p:nvPr/>
+        </p:nvSpPr>
+        <p:spPr>
+          <a:xfrm>
+            <a:off x="9116291" y="6248400"/>
+            <a:ext cx="2410691" cy="369332"/>
+          </a:xfrm>
+          <a:prstGeom prst="rect">
+            <a:avLst/>
+          </a:prstGeom>
+          <a:noFill/>
+        </p:spPr>
+        <p:txBody>
+          <a:bodyPr wrap="square" rtlCol="0">
+            <a:spAutoFit/>
+          </a:bodyPr>
+          <a:lstStyle/>
+          <a:p>
+            <a:r>
+              <a:rPr lang="en-US" dirty="0" err="1"/>
+              <a:t>Hyndavi</a:t>
+            </a:r>
+            <a:r>
+              <a:rPr lang="en-US" dirty="0"/>
+              <a:t> </a:t>
+            </a:r>
+            <a:r>
+              <a:rPr lang="en-US" dirty="0" err="1"/>
+              <a:t>Musipatla</a:t>
+            </a:r>
+            <a:endParaRPr lang="en-US" dirty="0"/>
+          </a:p>
+        </p:txBody>
+      </p:sp>
     </p:spTree>
     <p:extLst>
       <p:ext uri="{BB962C8B-B14F-4D97-AF65-F5344CB8AC3E}">
@@ -7256,6 +7321,44 @@
           </a:prstGeom>
         </p:spPr>
       </p:pic>
+      <p:sp>
+        <p:nvSpPr>
+          <p:cNvPr id="3" name="TextBox 2"/>
+          <p:cNvSpPr txBox="1"/>
+          <p:nvPr/>
+        </p:nvSpPr>
+        <p:spPr>
+          <a:xfrm>
+            <a:off x="8728364" y="6248399"/>
+            <a:ext cx="2840181" cy="369332"/>
+          </a:xfrm>
+          <a:prstGeom prst="rect">
+            <a:avLst/>
+          </a:prstGeom>
+          <a:noFill/>
+        </p:spPr>
+        <p:txBody>
+          <a:bodyPr wrap="square" rtlCol="0">
+            <a:spAutoFit/>
+          </a:bodyPr>
+          <a:lstStyle/>
+          <a:p>
+            <a:r>
+              <a:rPr lang="en-US" dirty="0" err="1" smtClean="0"/>
+              <a:t>Vyshnavi</a:t>
+            </a:r>
+            <a:r>
+              <a:rPr lang="en-US" dirty="0" smtClean="0"/>
+              <a:t> </a:t>
+            </a:r>
+            <a:r>
+              <a:rPr lang="en-US" dirty="0" err="1" smtClean="0"/>
+              <a:t>Yalamareddy</a:t>
+            </a:r>
+            <a:endParaRPr lang="en-US" dirty="0"/>
+          </a:p>
+        </p:txBody>
+      </p:sp>
     </p:spTree>
     <p:extLst>
       <p:ext uri="{BB962C8B-B14F-4D97-AF65-F5344CB8AC3E}">
@@ -7400,6 +7503,44 @@
           </a:prstGeom>
         </p:spPr>
       </p:pic>
+      <p:sp>
+        <p:nvSpPr>
+          <p:cNvPr id="3" name="TextBox 2"/>
+          <p:cNvSpPr txBox="1"/>
+          <p:nvPr/>
+        </p:nvSpPr>
+        <p:spPr>
+          <a:xfrm>
+            <a:off x="8839200" y="6248400"/>
+            <a:ext cx="2895600" cy="369332"/>
+          </a:xfrm>
+          <a:prstGeom prst="rect">
+            <a:avLst/>
+          </a:prstGeom>
+          <a:noFill/>
+        </p:spPr>
+        <p:txBody>
+          <a:bodyPr wrap="square" rtlCol="0">
+            <a:spAutoFit/>
+          </a:bodyPr>
+          <a:lstStyle/>
+          <a:p>
+            <a:r>
+              <a:rPr lang="en-US" dirty="0" err="1"/>
+              <a:t>Vyshnavi</a:t>
+            </a:r>
+            <a:r>
+              <a:rPr lang="en-US" dirty="0"/>
+              <a:t> </a:t>
+            </a:r>
+            <a:r>
+              <a:rPr lang="en-US" dirty="0" err="1"/>
+              <a:t>Yalamareddy</a:t>
+            </a:r>
+            <a:endParaRPr lang="en-US" dirty="0"/>
+          </a:p>
+        </p:txBody>
+      </p:sp>
     </p:spTree>
     <p:extLst>
       <p:ext uri="{BB962C8B-B14F-4D97-AF65-F5344CB8AC3E}">
@@ -7608,6 +7749,44 @@
           </a:p>
         </p:txBody>
       </p:sp>
+      <p:sp>
+        <p:nvSpPr>
+          <p:cNvPr id="5" name="TextBox 4"/>
+          <p:cNvSpPr txBox="1"/>
+          <p:nvPr/>
+        </p:nvSpPr>
+        <p:spPr>
+          <a:xfrm>
+            <a:off x="8908473" y="6248400"/>
+            <a:ext cx="2812472" cy="369332"/>
+          </a:xfrm>
+          <a:prstGeom prst="rect">
+            <a:avLst/>
+          </a:prstGeom>
+          <a:noFill/>
+        </p:spPr>
+        <p:txBody>
+          <a:bodyPr wrap="square" rtlCol="0">
+            <a:spAutoFit/>
+          </a:bodyPr>
+          <a:lstStyle/>
+          <a:p>
+            <a:r>
+              <a:rPr lang="en-US" dirty="0" err="1"/>
+              <a:t>Vyshnavi</a:t>
+            </a:r>
+            <a:r>
+              <a:rPr lang="en-US" dirty="0"/>
+              <a:t> </a:t>
+            </a:r>
+            <a:r>
+              <a:rPr lang="en-US" dirty="0" err="1"/>
+              <a:t>Yalamareddy</a:t>
+            </a:r>
+            <a:endParaRPr lang="en-US" dirty="0"/>
+          </a:p>
+        </p:txBody>
+      </p:sp>
     </p:spTree>
     <p:extLst>
       <p:ext uri="{BB962C8B-B14F-4D97-AF65-F5344CB8AC3E}">
@@ -7618,6 +7797,13 @@
   <p:clrMapOvr>
     <a:masterClrMapping/>
   </p:clrMapOvr>
+  <p:timing>
+    <p:tnLst>
+      <p:par>
+        <p:cTn id="1" dur="indefinite" restart="never" nodeType="tmRoot"/>
+      </p:par>
+    </p:tnLst>
+  </p:timing>
 </p:sld>
 </file>
 
@@ -7777,6 +7963,44 @@
           </a:p>
         </p:txBody>
       </p:sp>
+      <p:sp>
+        <p:nvSpPr>
+          <p:cNvPr id="5" name="TextBox 4"/>
+          <p:cNvSpPr txBox="1"/>
+          <p:nvPr/>
+        </p:nvSpPr>
+        <p:spPr>
+          <a:xfrm>
+            <a:off x="8839201" y="6248399"/>
+            <a:ext cx="2937164" cy="369332"/>
+          </a:xfrm>
+          <a:prstGeom prst="rect">
+            <a:avLst/>
+          </a:prstGeom>
+          <a:noFill/>
+        </p:spPr>
+        <p:txBody>
+          <a:bodyPr wrap="square" rtlCol="0">
+            <a:spAutoFit/>
+          </a:bodyPr>
+          <a:lstStyle/>
+          <a:p>
+            <a:r>
+              <a:rPr lang="en-US" dirty="0" err="1"/>
+              <a:t>Vyshnavi</a:t>
+            </a:r>
+            <a:r>
+              <a:rPr lang="en-US" dirty="0"/>
+              <a:t> </a:t>
+            </a:r>
+            <a:r>
+              <a:rPr lang="en-US" dirty="0" err="1"/>
+              <a:t>Yalamareddy</a:t>
+            </a:r>
+            <a:endParaRPr lang="en-US" dirty="0"/>
+          </a:p>
+        </p:txBody>
+      </p:sp>
     </p:spTree>
     <p:extLst>
       <p:ext uri="{BB962C8B-B14F-4D97-AF65-F5344CB8AC3E}">
@@ -7787,6 +8011,13 @@
   <p:clrMapOvr>
     <a:masterClrMapping/>
   </p:clrMapOvr>
+  <p:timing>
+    <p:tnLst>
+      <p:par>
+        <p:cTn id="1" dur="indefinite" restart="never" nodeType="tmRoot"/>
+      </p:par>
+    </p:tnLst>
+  </p:timing>
 </p:sld>
 </file>
 
@@ -7859,6 +8090,48 @@
           </a:xfrm>
         </p:spPr>
       </p:pic>
+      <p:sp>
+        <p:nvSpPr>
+          <p:cNvPr id="2" name="TextBox 1"/>
+          <p:cNvSpPr txBox="1"/>
+          <p:nvPr/>
+        </p:nvSpPr>
+        <p:spPr>
+          <a:xfrm>
+            <a:off x="9121352" y="6187775"/>
+            <a:ext cx="2462375" cy="369332"/>
+          </a:xfrm>
+          <a:prstGeom prst="rect">
+            <a:avLst/>
+          </a:prstGeom>
+          <a:noFill/>
+        </p:spPr>
+        <p:txBody>
+          <a:bodyPr wrap="square" rtlCol="0">
+            <a:spAutoFit/>
+          </a:bodyPr>
+          <a:lstStyle/>
+          <a:p>
+            <a:r>
+              <a:rPr lang="en-US" dirty="0" smtClean="0"/>
+              <a:t>Hari </a:t>
+            </a:r>
+            <a:r>
+              <a:rPr lang="en-US" dirty="0" err="1" smtClean="0"/>
+              <a:t>Priya</a:t>
+            </a:r>
+            <a:r>
+              <a:rPr lang="en-US" dirty="0" smtClean="0"/>
+              <a:t> </a:t>
+            </a:r>
+            <a:r>
+              <a:rPr lang="en-US" dirty="0" err="1" smtClean="0"/>
+              <a:t>Jupally</a:t>
+            </a:r>
+            <a:endParaRPr lang="en-US" dirty="0"/>
+          </a:p>
+        </p:txBody>
+      </p:sp>
     </p:spTree>
     <p:extLst>
       <p:ext uri="{BB962C8B-B14F-4D97-AF65-F5344CB8AC3E}">
@@ -7898,7 +8171,125 @@
       </p:grpSpPr>
       <p:sp>
         <p:nvSpPr>
-          <p:cNvPr id="8" name="Slide Number Placeholder 7"/>
+          <p:cNvPr id="2" name="Title 1"/>
+          <p:cNvSpPr>
+            <a:spLocks noGrp="1"/>
+          </p:cNvSpPr>
+          <p:nvPr>
+            <p:ph type="title"/>
+          </p:nvPr>
+        </p:nvSpPr>
+        <p:spPr/>
+        <p:txBody>
+          <a:bodyPr/>
+          <a:lstStyle/>
+          <a:p>
+            <a:r>
+              <a:rPr lang="en-US" dirty="0" smtClean="0"/>
+              <a:t>References</a:t>
+            </a:r>
+            <a:endParaRPr lang="en-US" dirty="0"/>
+          </a:p>
+        </p:txBody>
+      </p:sp>
+      <p:sp>
+        <p:nvSpPr>
+          <p:cNvPr id="3" name="Content Placeholder 2"/>
+          <p:cNvSpPr>
+            <a:spLocks noGrp="1"/>
+          </p:cNvSpPr>
+          <p:nvPr>
+            <p:ph idx="1"/>
+          </p:nvPr>
+        </p:nvSpPr>
+        <p:spPr>
+          <a:xfrm>
+            <a:off x="646112" y="1853248"/>
+            <a:ext cx="9403742" cy="4395151"/>
+          </a:xfrm>
+        </p:spPr>
+        <p:txBody>
+          <a:bodyPr/>
+          <a:lstStyle/>
+          <a:p>
+            <a:pPr>
+              <a:lnSpc>
+                <a:spcPct val="150000"/>
+              </a:lnSpc>
+            </a:pPr>
+            <a:r>
+              <a:rPr lang="en-US" dirty="0">
+                <a:hlinkClick r:id="rId2"/>
+              </a:rPr>
+              <a:t>https://www.c-sharpcorner.com/UploadFile/ff2f08/aspx-view-engine-vs-razor-view-engine</a:t>
+            </a:r>
+            <a:r>
+              <a:rPr lang="en-US" dirty="0" smtClean="0">
+                <a:hlinkClick r:id="rId2"/>
+              </a:rPr>
+              <a:t>/</a:t>
+            </a:r>
+            <a:endParaRPr lang="en-US" dirty="0" smtClean="0"/>
+          </a:p>
+          <a:p>
+            <a:pPr>
+              <a:lnSpc>
+                <a:spcPct val="150000"/>
+              </a:lnSpc>
+            </a:pPr>
+            <a:r>
+              <a:rPr lang="en-US" dirty="0">
+                <a:hlinkClick r:id="rId3"/>
+              </a:rPr>
+              <a:t>https://</a:t>
+            </a:r>
+            <a:r>
+              <a:rPr lang="en-US" dirty="0" smtClean="0">
+                <a:hlinkClick r:id="rId3"/>
+              </a:rPr>
+              <a:t>www.tutorialspoint.com/asp.net_mvc/asp.net_mvc_razor.htm</a:t>
+            </a:r>
+            <a:endParaRPr lang="en-US" dirty="0" smtClean="0"/>
+          </a:p>
+          <a:p>
+            <a:pPr>
+              <a:lnSpc>
+                <a:spcPct val="150000"/>
+              </a:lnSpc>
+            </a:pPr>
+            <a:r>
+              <a:rPr lang="en-US" dirty="0">
+                <a:hlinkClick r:id="rId4"/>
+              </a:rPr>
+              <a:t>https://</a:t>
+            </a:r>
+            <a:r>
+              <a:rPr lang="en-US" dirty="0" smtClean="0">
+                <a:hlinkClick r:id="rId4"/>
+              </a:rPr>
+              <a:t>www.c-sharpcorner.com/blogs/razor-view-engine-in-mvc2</a:t>
+            </a:r>
+            <a:endParaRPr lang="en-US" dirty="0" smtClean="0"/>
+          </a:p>
+          <a:p>
+            <a:pPr>
+              <a:lnSpc>
+                <a:spcPct val="150000"/>
+              </a:lnSpc>
+            </a:pPr>
+            <a:r>
+              <a:rPr lang="en-US" dirty="0">
+                <a:hlinkClick r:id="rId5"/>
+              </a:rPr>
+              <a:t>https://www.itprotoday.com/web-application-management/working-aspnet-mvc-3-razor-view-engine</a:t>
+            </a:r>
+            <a:endParaRPr lang="en-US" dirty="0"/>
+          </a:p>
+        </p:txBody>
+      </p:sp>
+      <p:sp>
+        <p:nvSpPr>
+          <p:cNvPr id="4" name="Slide Number Placeholder 3"/>
           <p:cNvSpPr>
             <a:spLocks noGrp="1"/>
           </p:cNvSpPr>
@@ -7919,51 +8310,10 @@
           </a:p>
         </p:txBody>
       </p:sp>
-      <p:pic>
-        <p:nvPicPr>
-          <p:cNvPr id="1026" name="Picture 2" descr="Image result for any questions"/>
-          <p:cNvPicPr>
-            <a:picLocks noChangeAspect="1" noChangeArrowheads="1"/>
-          </p:cNvPicPr>
-          <p:nvPr/>
-        </p:nvPicPr>
-        <p:blipFill>
-          <a:blip r:embed="rId2">
-            <a:extLst>
-              <a:ext uri="{28A0092B-C50C-407E-A947-70E740481C1C}">
-                <a14:useLocalDpi xmlns:a14="http://schemas.microsoft.com/office/drawing/2010/main" val="0"/>
-              </a:ext>
-            </a:extLst>
-          </a:blip>
-          <a:srcRect/>
-          <a:stretch>
-            <a:fillRect/>
-          </a:stretch>
-        </p:blipFill>
-        <p:spPr bwMode="auto">
-          <a:xfrm>
-            <a:off x="2660072" y="914399"/>
-            <a:ext cx="5860473" cy="4850122"/>
-          </a:xfrm>
-          <a:prstGeom prst="rect">
-            <a:avLst/>
-          </a:prstGeom>
-          <a:noFill/>
-          <a:extLst>
-            <a:ext uri="{909E8E84-426E-40DD-AFC4-6F175D3DCCD1}">
-              <a14:hiddenFill xmlns:a14="http://schemas.microsoft.com/office/drawing/2010/main">
-                <a:solidFill>
-                  <a:srgbClr val="FFFFFF"/>
-                </a:solidFill>
-              </a14:hiddenFill>
-            </a:ext>
-          </a:extLst>
-        </p:spPr>
-      </p:pic>
     </p:spTree>
     <p:extLst>
       <p:ext uri="{BB962C8B-B14F-4D97-AF65-F5344CB8AC3E}">
-        <p14:creationId xmlns:p14="http://schemas.microsoft.com/office/powerpoint/2010/main" val="1087653079"/>
+        <p14:creationId xmlns:p14="http://schemas.microsoft.com/office/powerpoint/2010/main" val="2063813120"/>
       </p:ext>
     </p:extLst>
   </p:cSld>
@@ -7999,125 +8349,7 @@
       </p:grpSpPr>
       <p:sp>
         <p:nvSpPr>
-          <p:cNvPr id="2" name="Title 1"/>
-          <p:cNvSpPr>
-            <a:spLocks noGrp="1"/>
-          </p:cNvSpPr>
-          <p:nvPr>
-            <p:ph type="title"/>
-          </p:nvPr>
-        </p:nvSpPr>
-        <p:spPr/>
-        <p:txBody>
-          <a:bodyPr/>
-          <a:lstStyle/>
-          <a:p>
-            <a:r>
-              <a:rPr lang="en-US" dirty="0" smtClean="0"/>
-              <a:t>References</a:t>
-            </a:r>
-            <a:endParaRPr lang="en-US" dirty="0"/>
-          </a:p>
-        </p:txBody>
-      </p:sp>
-      <p:sp>
-        <p:nvSpPr>
-          <p:cNvPr id="3" name="Content Placeholder 2"/>
-          <p:cNvSpPr>
-            <a:spLocks noGrp="1"/>
-          </p:cNvSpPr>
-          <p:nvPr>
-            <p:ph idx="1"/>
-          </p:nvPr>
-        </p:nvSpPr>
-        <p:spPr>
-          <a:xfrm>
-            <a:off x="646112" y="1853248"/>
-            <a:ext cx="9403742" cy="4395151"/>
-          </a:xfrm>
-        </p:spPr>
-        <p:txBody>
-          <a:bodyPr/>
-          <a:lstStyle/>
-          <a:p>
-            <a:pPr>
-              <a:lnSpc>
-                <a:spcPct val="150000"/>
-              </a:lnSpc>
-            </a:pPr>
-            <a:r>
-              <a:rPr lang="en-US" dirty="0">
-                <a:hlinkClick r:id="rId2"/>
-              </a:rPr>
-              <a:t>https://www.c-sharpcorner.com/UploadFile/ff2f08/aspx-view-engine-vs-razor-view-engine</a:t>
-            </a:r>
-            <a:r>
-              <a:rPr lang="en-US" dirty="0" smtClean="0">
-                <a:hlinkClick r:id="rId2"/>
-              </a:rPr>
-              <a:t>/</a:t>
-            </a:r>
-            <a:endParaRPr lang="en-US" dirty="0" smtClean="0"/>
-          </a:p>
-          <a:p>
-            <a:pPr>
-              <a:lnSpc>
-                <a:spcPct val="150000"/>
-              </a:lnSpc>
-            </a:pPr>
-            <a:r>
-              <a:rPr lang="en-US" dirty="0">
-                <a:hlinkClick r:id="rId3"/>
-              </a:rPr>
-              <a:t>https://</a:t>
-            </a:r>
-            <a:r>
-              <a:rPr lang="en-US" dirty="0" smtClean="0">
-                <a:hlinkClick r:id="rId3"/>
-              </a:rPr>
-              <a:t>www.tutorialspoint.com/asp.net_mvc/asp.net_mvc_razor.htm</a:t>
-            </a:r>
-            <a:endParaRPr lang="en-US" dirty="0" smtClean="0"/>
-          </a:p>
-          <a:p>
-            <a:pPr>
-              <a:lnSpc>
-                <a:spcPct val="150000"/>
-              </a:lnSpc>
-            </a:pPr>
-            <a:r>
-              <a:rPr lang="en-US" dirty="0">
-                <a:hlinkClick r:id="rId4"/>
-              </a:rPr>
-              <a:t>https://</a:t>
-            </a:r>
-            <a:r>
-              <a:rPr lang="en-US" dirty="0" smtClean="0">
-                <a:hlinkClick r:id="rId4"/>
-              </a:rPr>
-              <a:t>www.c-sharpcorner.com/blogs/razor-view-engine-in-mvc2</a:t>
-            </a:r>
-            <a:endParaRPr lang="en-US" dirty="0" smtClean="0"/>
-          </a:p>
-          <a:p>
-            <a:pPr>
-              <a:lnSpc>
-                <a:spcPct val="150000"/>
-              </a:lnSpc>
-            </a:pPr>
-            <a:r>
-              <a:rPr lang="en-US" dirty="0">
-                <a:hlinkClick r:id="rId5"/>
-              </a:rPr>
-              <a:t>https://www.itprotoday.com/web-application-management/working-aspnet-mvc-3-razor-view-engine</a:t>
-            </a:r>
-            <a:endParaRPr lang="en-US" dirty="0"/>
-          </a:p>
-        </p:txBody>
-      </p:sp>
-      <p:sp>
-        <p:nvSpPr>
-          <p:cNvPr id="4" name="Slide Number Placeholder 3"/>
+          <p:cNvPr id="8" name="Slide Number Placeholder 7"/>
           <p:cNvSpPr>
             <a:spLocks noGrp="1"/>
           </p:cNvSpPr>
@@ -8138,16 +8370,64 @@
           </a:p>
         </p:txBody>
       </p:sp>
+      <p:pic>
+        <p:nvPicPr>
+          <p:cNvPr id="1026" name="Picture 2" descr="Image result for any questions"/>
+          <p:cNvPicPr>
+            <a:picLocks noChangeAspect="1" noChangeArrowheads="1"/>
+          </p:cNvPicPr>
+          <p:nvPr/>
+        </p:nvPicPr>
+        <p:blipFill>
+          <a:blip r:embed="rId2">
+            <a:extLst>
+              <a:ext uri="{28A0092B-C50C-407E-A947-70E740481C1C}">
+                <a14:useLocalDpi xmlns:a14="http://schemas.microsoft.com/office/drawing/2010/main" val="0"/>
+              </a:ext>
+            </a:extLst>
+          </a:blip>
+          <a:srcRect/>
+          <a:stretch>
+            <a:fillRect/>
+          </a:stretch>
+        </p:blipFill>
+        <p:spPr bwMode="auto">
+          <a:xfrm>
+            <a:off x="0" y="0"/>
+            <a:ext cx="12192000" cy="6858000"/>
+          </a:xfrm>
+          <a:prstGeom prst="rect">
+            <a:avLst/>
+          </a:prstGeom>
+          <a:noFill/>
+          <a:extLst>
+            <a:ext uri="{909E8E84-426E-40DD-AFC4-6F175D3DCCD1}">
+              <a14:hiddenFill xmlns:a14="http://schemas.microsoft.com/office/drawing/2010/main">
+                <a:solidFill>
+                  <a:srgbClr val="FFFFFF"/>
+                </a:solidFill>
+              </a14:hiddenFill>
+            </a:ext>
+          </a:extLst>
+        </p:spPr>
+      </p:pic>
     </p:spTree>
     <p:extLst>
       <p:ext uri="{BB962C8B-B14F-4D97-AF65-F5344CB8AC3E}">
-        <p14:creationId xmlns:p14="http://schemas.microsoft.com/office/powerpoint/2010/main" val="2063813120"/>
+        <p14:creationId xmlns:p14="http://schemas.microsoft.com/office/powerpoint/2010/main" val="1087653079"/>
       </p:ext>
     </p:extLst>
   </p:cSld>
   <p:clrMapOvr>
     <a:masterClrMapping/>
   </p:clrMapOvr>
+  <p:timing>
+    <p:tnLst>
+      <p:par>
+        <p:cTn id="1" dur="indefinite" restart="never" nodeType="tmRoot"/>
+      </p:par>
+    </p:tnLst>
+  </p:timing>
 </p:sld>
 </file>
 
@@ -8720,6 +9000,13 @@
   <p:clrMapOvr>
     <a:masterClrMapping/>
   </p:clrMapOvr>
+  <p:timing>
+    <p:tnLst>
+      <p:par>
+        <p:cTn id="1" dur="indefinite" restart="never" nodeType="tmRoot"/>
+      </p:par>
+    </p:tnLst>
+  </p:timing>
 </p:sld>
 </file>
 
@@ -9036,6 +9323,44 @@
           </a:prstGeom>
         </p:spPr>
       </p:pic>
+      <p:sp>
+        <p:nvSpPr>
+          <p:cNvPr id="2" name="TextBox 1"/>
+          <p:cNvSpPr txBox="1"/>
+          <p:nvPr/>
+        </p:nvSpPr>
+        <p:spPr>
+          <a:xfrm>
+            <a:off x="8982349" y="6078737"/>
+            <a:ext cx="2798618" cy="369332"/>
+          </a:xfrm>
+          <a:prstGeom prst="rect">
+            <a:avLst/>
+          </a:prstGeom>
+          <a:noFill/>
+        </p:spPr>
+        <p:txBody>
+          <a:bodyPr wrap="square" rtlCol="0">
+            <a:spAutoFit/>
+          </a:bodyPr>
+          <a:lstStyle/>
+          <a:p>
+            <a:r>
+              <a:rPr lang="en-US" dirty="0" err="1" smtClean="0"/>
+              <a:t>Sushmitha</a:t>
+            </a:r>
+            <a:r>
+              <a:rPr lang="en-US" dirty="0" smtClean="0"/>
+              <a:t> </a:t>
+            </a:r>
+            <a:r>
+              <a:rPr lang="en-US" dirty="0" err="1" smtClean="0"/>
+              <a:t>Kotyada</a:t>
+            </a:r>
+            <a:endParaRPr lang="en-US" dirty="0"/>
+          </a:p>
+        </p:txBody>
+      </p:sp>
     </p:spTree>
     <p:extLst>
       <p:ext uri="{BB962C8B-B14F-4D97-AF65-F5344CB8AC3E}">
@@ -9083,83 +9408,117 @@
             <p:ph type="title"/>
           </p:nvPr>
         </p:nvSpPr>
-        <p:spPr/>
-        <p:txBody>
-          <a:bodyPr/>
-          <a:lstStyle/>
-          <a:p>
-            <a:r>
-              <a:rPr lang="en-US" dirty="0" smtClean="0"/>
-              <a:t>Razor Syntax Rules</a:t>
-            </a:r>
-            <a:endParaRPr lang="en-US" dirty="0"/>
-          </a:p>
-        </p:txBody>
-      </p:sp>
-      <p:sp>
-        <p:nvSpPr>
-          <p:cNvPr id="3" name="Content Placeholder 2"/>
-          <p:cNvSpPr>
-            <a:spLocks noGrp="1"/>
-          </p:cNvSpPr>
-          <p:nvPr>
-            <p:ph idx="1"/>
-          </p:nvPr>
-        </p:nvSpPr>
         <p:spPr>
           <a:xfrm>
-            <a:off x="928254" y="2064326"/>
-            <a:ext cx="9121599" cy="4184073"/>
-          </a:xfrm>
-        </p:spPr>
-        <p:txBody>
-          <a:bodyPr numCol="1"/>
-          <a:lstStyle/>
-          <a:p>
-            <a:pPr>
-              <a:lnSpc>
-                <a:spcPct val="200000"/>
-              </a:lnSpc>
+            <a:off x="646111" y="452718"/>
+            <a:ext cx="9404723" cy="1126700"/>
+          </a:xfrm>
+        </p:spPr>
+        <p:txBody>
+          <a:bodyPr/>
+          <a:lstStyle/>
+          <a:p>
+            <a:r>
+              <a:rPr lang="en-US" dirty="0" smtClean="0"/>
+              <a:t>Features</a:t>
+            </a:r>
+            <a:endParaRPr lang="en-US" dirty="0"/>
+          </a:p>
+        </p:txBody>
+      </p:sp>
+      <p:sp>
+        <p:nvSpPr>
+          <p:cNvPr id="3" name="Content Placeholder 2"/>
+          <p:cNvSpPr>
+            <a:spLocks noGrp="1"/>
+          </p:cNvSpPr>
+          <p:nvPr>
+            <p:ph idx="1"/>
+          </p:nvPr>
+        </p:nvSpPr>
+        <p:spPr>
+          <a:xfrm>
+            <a:off x="845128" y="1690256"/>
+            <a:ext cx="9204726" cy="4558144"/>
+          </a:xfrm>
+        </p:spPr>
+        <p:txBody>
+          <a:bodyPr/>
+          <a:lstStyle/>
+          <a:p>
+            <a:r>
+              <a:rPr lang="en-US" dirty="0" smtClean="0"/>
+              <a:t>Razor has a capability to protect critical sections with lock statements.</a:t>
+            </a:r>
+          </a:p>
+          <a:p>
+            <a:r>
+              <a:rPr lang="en-US" dirty="0" smtClean="0"/>
+              <a:t>Unit Testable</a:t>
+            </a:r>
+          </a:p>
+          <a:p>
+            <a:r>
+              <a:rPr lang="en-US" u="sng" dirty="0" smtClean="0"/>
+              <a:t>Syntax :</a:t>
+            </a:r>
+          </a:p>
+          <a:p>
+            <a:pPr marL="0" indent="0">
+              <a:buNone/>
             </a:pPr>
             <a:r>
+              <a:rPr lang="en-US" dirty="0"/>
+              <a:t>	</a:t>
+            </a:r>
+            <a:r>
               <a:rPr lang="en-US" dirty="0" smtClean="0"/>
-              <a:t>Must be enclosed in @{….}</a:t>
-            </a:r>
-          </a:p>
-          <a:p>
-            <a:pPr>
-              <a:lnSpc>
-                <a:spcPct val="200000"/>
-              </a:lnSpc>
+              <a:t>		@lock (Some lock)</a:t>
+            </a:r>
+          </a:p>
+          <a:p>
+            <a:pPr marL="0" indent="0">
+              <a:buNone/>
             </a:pPr>
             <a:r>
+              <a:rPr lang="en-US" dirty="0"/>
+              <a:t>	</a:t>
+            </a:r>
+            <a:r>
               <a:rPr lang="en-US" dirty="0" smtClean="0"/>
-              <a:t>Statements must end with Semicolon “;”</a:t>
-            </a:r>
-          </a:p>
-          <a:p>
-            <a:pPr>
-              <a:lnSpc>
-                <a:spcPct val="200000"/>
-              </a:lnSpc>
+              <a:t>		{</a:t>
+            </a:r>
+          </a:p>
+          <a:p>
+            <a:pPr marL="0" indent="0">
+              <a:buNone/>
             </a:pPr>
             <a:r>
+              <a:rPr lang="en-US" dirty="0"/>
+              <a:t>	</a:t>
+            </a:r>
+            <a:r>
               <a:rPr lang="en-US" dirty="0" smtClean="0"/>
-              <a:t>Files will have .cshtml extension</a:t>
-            </a:r>
-          </a:p>
-          <a:p>
-            <a:pPr>
-              <a:lnSpc>
-                <a:spcPct val="200000"/>
-              </a:lnSpc>
+              <a:t>			//Do critical section work</a:t>
+            </a:r>
+          </a:p>
+          <a:p>
+            <a:pPr marL="0" indent="0">
+              <a:buNone/>
             </a:pPr>
             <a:r>
+              <a:rPr lang="en-US" dirty="0"/>
+              <a:t>	</a:t>
+            </a:r>
+            <a:r>
               <a:rPr lang="en-US" dirty="0" smtClean="0"/>
-              <a:t>Inline expressions like variables and functions start with @</a:t>
-            </a:r>
-          </a:p>
-          <a:p>
+              <a:t>		}</a:t>
+            </a:r>
+          </a:p>
+          <a:p>
+            <a:pPr marL="0" indent="0">
+              <a:buNone/>
+            </a:pPr>
             <a:endParaRPr lang="en-US" dirty="0"/>
           </a:p>
         </p:txBody>
@@ -9187,16 +9546,64 @@
           </a:p>
         </p:txBody>
       </p:sp>
+      <p:sp>
+        <p:nvSpPr>
+          <p:cNvPr id="5" name="TextBox 4"/>
+          <p:cNvSpPr txBox="1"/>
+          <p:nvPr/>
+        </p:nvSpPr>
+        <p:spPr>
+          <a:xfrm>
+            <a:off x="9157855" y="6248400"/>
+            <a:ext cx="2438400" cy="646331"/>
+          </a:xfrm>
+          <a:prstGeom prst="rect">
+            <a:avLst/>
+          </a:prstGeom>
+          <a:noFill/>
+        </p:spPr>
+        <p:txBody>
+          <a:bodyPr wrap="square" rtlCol="0">
+            <a:spAutoFit/>
+          </a:bodyPr>
+          <a:lstStyle/>
+          <a:p>
+            <a:r>
+              <a:rPr lang="en-US" dirty="0" err="1"/>
+              <a:t>Sushmitha</a:t>
+            </a:r>
+            <a:r>
+              <a:rPr lang="en-US" dirty="0"/>
+              <a:t> </a:t>
+            </a:r>
+            <a:r>
+              <a:rPr lang="en-US" dirty="0" err="1"/>
+              <a:t>Kotyada</a:t>
+            </a:r>
+            <a:endParaRPr lang="en-US" dirty="0"/>
+          </a:p>
+          <a:p>
+            <a:endParaRPr lang="en-US" dirty="0"/>
+          </a:p>
+        </p:txBody>
+      </p:sp>
     </p:spTree>
     <p:extLst>
       <p:ext uri="{BB962C8B-B14F-4D97-AF65-F5344CB8AC3E}">
-        <p14:creationId xmlns:p14="http://schemas.microsoft.com/office/powerpoint/2010/main" val="2539243348"/>
+        <p14:creationId xmlns:p14="http://schemas.microsoft.com/office/powerpoint/2010/main" val="2899240200"/>
       </p:ext>
     </p:extLst>
   </p:cSld>
   <p:clrMapOvr>
     <a:masterClrMapping/>
   </p:clrMapOvr>
+  <p:timing>
+    <p:tnLst>
+      <p:par>
+        <p:cTn id="1" dur="indefinite" restart="never" nodeType="tmRoot"/>
+      </p:par>
+    </p:tnLst>
+  </p:timing>
 </p:sld>
 </file>
 
@@ -9227,10 +9634,33 @@
             <p:ph type="title"/>
           </p:nvPr>
         </p:nvSpPr>
+        <p:spPr/>
+        <p:txBody>
+          <a:bodyPr/>
+          <a:lstStyle/>
+          <a:p>
+            <a:r>
+              <a:rPr lang="en-US" dirty="0" smtClean="0"/>
+              <a:t>Features</a:t>
+            </a:r>
+            <a:endParaRPr lang="en-US" dirty="0"/>
+          </a:p>
+        </p:txBody>
+      </p:sp>
+      <p:sp>
+        <p:nvSpPr>
+          <p:cNvPr id="3" name="Content Placeholder 2"/>
+          <p:cNvSpPr>
+            <a:spLocks noGrp="1"/>
+          </p:cNvSpPr>
+          <p:nvPr>
+            <p:ph idx="1"/>
+          </p:nvPr>
+        </p:nvSpPr>
         <p:spPr>
           <a:xfrm>
-            <a:off x="646111" y="452718"/>
-            <a:ext cx="9404723" cy="1126700"/>
+            <a:off x="646112" y="1853248"/>
+            <a:ext cx="9403742" cy="4395151"/>
           </a:xfrm>
         </p:spPr>
         <p:txBody>
@@ -9239,105 +9669,51 @@
           <a:p>
             <a:r>
               <a:rPr lang="en-US" dirty="0" smtClean="0"/>
-              <a:t>Features</a:t>
+              <a:t>Compact</a:t>
+            </a:r>
+          </a:p>
+          <a:p>
+            <a:pPr lvl="1">
+              <a:buFont typeface="Courier New" panose="02070309020205020404" pitchFamily="49" charset="0"/>
+              <a:buChar char="o"/>
+            </a:pPr>
+            <a:r>
+              <a:rPr lang="en-US" dirty="0" smtClean="0"/>
+              <a:t>Enables to minimize number of characters and keystrokes required to write a code</a:t>
+            </a:r>
+          </a:p>
+          <a:p>
+            <a:r>
+              <a:rPr lang="en-US" dirty="0" smtClean="0"/>
+              <a:t>Expressive</a:t>
+            </a:r>
+          </a:p>
+          <a:p>
+            <a:pPr lvl="1">
+              <a:buFont typeface="Courier New" panose="02070309020205020404" pitchFamily="49" charset="0"/>
+              <a:buChar char="o"/>
+            </a:pPr>
+            <a:r>
+              <a:rPr lang="en-US" dirty="0" smtClean="0"/>
+              <a:t>Expresses your intent</a:t>
             </a:r>
             <a:endParaRPr lang="en-US" dirty="0"/>
           </a:p>
-        </p:txBody>
-      </p:sp>
-      <p:sp>
-        <p:nvSpPr>
-          <p:cNvPr id="3" name="Content Placeholder 2"/>
-          <p:cNvSpPr>
-            <a:spLocks noGrp="1"/>
-          </p:cNvSpPr>
-          <p:nvPr>
-            <p:ph idx="1"/>
-          </p:nvPr>
-        </p:nvSpPr>
-        <p:spPr>
-          <a:xfrm>
-            <a:off x="845128" y="1690256"/>
-            <a:ext cx="9204726" cy="4558144"/>
-          </a:xfrm>
-        </p:spPr>
-        <p:txBody>
-          <a:bodyPr/>
-          <a:lstStyle/>
           <a:p>
             <a:r>
               <a:rPr lang="en-US" dirty="0" smtClean="0"/>
-              <a:t>Razor has a capability to protect critical sections with lock statements.</a:t>
-            </a:r>
-          </a:p>
-          <a:p>
+              <a:t>Fluid</a:t>
+            </a:r>
+          </a:p>
+          <a:p>
+            <a:pPr lvl="1">
+              <a:buFont typeface="Courier New" panose="02070309020205020404" pitchFamily="49" charset="0"/>
+              <a:buChar char="o"/>
+            </a:pPr>
             <a:r>
               <a:rPr lang="en-US" dirty="0" smtClean="0"/>
-              <a:t>Unit Testable</a:t>
-            </a:r>
-          </a:p>
-          <a:p>
-            <a:r>
-              <a:rPr lang="en-US" u="sng" dirty="0" smtClean="0"/>
-              <a:t>Syntax :</a:t>
-            </a:r>
-          </a:p>
-          <a:p>
-            <a:pPr marL="0" indent="0">
-              <a:buNone/>
-            </a:pPr>
-            <a:r>
-              <a:rPr lang="en-US" dirty="0"/>
-              <a:t>	</a:t>
-            </a:r>
-            <a:r>
-              <a:rPr lang="en-US" dirty="0" smtClean="0"/>
-              <a:t>		@lock (Some lock)</a:t>
-            </a:r>
-          </a:p>
-          <a:p>
-            <a:pPr marL="0" indent="0">
-              <a:buNone/>
-            </a:pPr>
-            <a:r>
-              <a:rPr lang="en-US" dirty="0"/>
-              <a:t>	</a:t>
-            </a:r>
-            <a:r>
-              <a:rPr lang="en-US" dirty="0" smtClean="0"/>
-              <a:t>		{</a:t>
-            </a:r>
-          </a:p>
-          <a:p>
-            <a:pPr marL="0" indent="0">
-              <a:buNone/>
-            </a:pPr>
-            <a:r>
-              <a:rPr lang="en-US" dirty="0"/>
-              <a:t>	</a:t>
-            </a:r>
-            <a:r>
-              <a:rPr lang="en-US" dirty="0" smtClean="0"/>
-              <a:t>			//Do critical section work</a:t>
-            </a:r>
-          </a:p>
-          <a:p>
-            <a:pPr marL="0" indent="0">
-              <a:buNone/>
-            </a:pPr>
-            <a:r>
-              <a:rPr lang="en-US" dirty="0"/>
-              <a:t>	</a:t>
-            </a:r>
-            <a:r>
-              <a:rPr lang="en-US" dirty="0" smtClean="0"/>
-              <a:t>		}</a:t>
-            </a:r>
-          </a:p>
-          <a:p>
-            <a:pPr marL="0" indent="0">
-              <a:buNone/>
-            </a:pPr>
+              <a:t>Fast and fluid coding work flow</a:t>
+            </a:r>
             <a:endParaRPr lang="en-US" dirty="0"/>
           </a:p>
         </p:txBody>
@@ -9365,10 +9741,51 @@
           </a:p>
         </p:txBody>
       </p:sp>
+      <p:sp>
+        <p:nvSpPr>
+          <p:cNvPr id="5" name="TextBox 4"/>
+          <p:cNvSpPr txBox="1"/>
+          <p:nvPr/>
+        </p:nvSpPr>
+        <p:spPr>
+          <a:xfrm>
+            <a:off x="8890885" y="6211669"/>
+            <a:ext cx="2923309" cy="646331"/>
+          </a:xfrm>
+          <a:prstGeom prst="rect">
+            <a:avLst/>
+          </a:prstGeom>
+          <a:noFill/>
+        </p:spPr>
+        <p:txBody>
+          <a:bodyPr wrap="square" rtlCol="0">
+            <a:spAutoFit/>
+          </a:bodyPr>
+          <a:lstStyle/>
+          <a:p>
+            <a:r>
+              <a:rPr lang="en-US" dirty="0" err="1"/>
+              <a:t>Sushmitha</a:t>
+            </a:r>
+            <a:r>
+              <a:rPr lang="en-US" dirty="0"/>
+              <a:t> </a:t>
+            </a:r>
+            <a:r>
+              <a:rPr lang="en-US" dirty="0" err="1"/>
+              <a:t>Kotyada</a:t>
+            </a:r>
+            <a:endParaRPr lang="en-US" dirty="0"/>
+          </a:p>
+          <a:p>
+            <a:endParaRPr lang="en-US" dirty="0"/>
+          </a:p>
+        </p:txBody>
+      </p:sp>
     </p:spTree>
     <p:extLst>
       <p:ext uri="{BB962C8B-B14F-4D97-AF65-F5344CB8AC3E}">
-        <p14:creationId xmlns:p14="http://schemas.microsoft.com/office/powerpoint/2010/main" val="2899240200"/>
+        <p14:creationId xmlns:p14="http://schemas.microsoft.com/office/powerpoint/2010/main" val="2318515478"/>
       </p:ext>
     </p:extLst>
   </p:cSld>
@@ -9386,153 +9803,6 @@
 </file>
 
 <file path=ppt/slides/slide7.xml><?xml version="1.0" encoding="utf-8"?>
-<p:sld xmlns:a="http://schemas.openxmlformats.org/drawingml/2006/main" xmlns:r="http://schemas.openxmlformats.org/officeDocument/2006/relationships" xmlns:p="http://schemas.openxmlformats.org/presentationml/2006/main">
-  <p:cSld>
-    <p:spTree>
-      <p:nvGrpSpPr>
-        <p:cNvPr id="1" name=""/>
-        <p:cNvGrpSpPr/>
-        <p:nvPr/>
-      </p:nvGrpSpPr>
-      <p:grpSpPr>
-        <a:xfrm>
-          <a:off x="0" y="0"/>
-          <a:ext cx="0" cy="0"/>
-          <a:chOff x="0" y="0"/>
-          <a:chExt cx="0" cy="0"/>
-        </a:xfrm>
-      </p:grpSpPr>
-      <p:sp>
-        <p:nvSpPr>
-          <p:cNvPr id="2" name="Title 1"/>
-          <p:cNvSpPr>
-            <a:spLocks noGrp="1"/>
-          </p:cNvSpPr>
-          <p:nvPr>
-            <p:ph type="title"/>
-          </p:nvPr>
-        </p:nvSpPr>
-        <p:spPr/>
-        <p:txBody>
-          <a:bodyPr/>
-          <a:lstStyle/>
-          <a:p>
-            <a:r>
-              <a:rPr lang="en-US" dirty="0" smtClean="0"/>
-              <a:t>Features</a:t>
-            </a:r>
-            <a:endParaRPr lang="en-US" dirty="0"/>
-          </a:p>
-        </p:txBody>
-      </p:sp>
-      <p:sp>
-        <p:nvSpPr>
-          <p:cNvPr id="3" name="Content Placeholder 2"/>
-          <p:cNvSpPr>
-            <a:spLocks noGrp="1"/>
-          </p:cNvSpPr>
-          <p:nvPr>
-            <p:ph idx="1"/>
-          </p:nvPr>
-        </p:nvSpPr>
-        <p:spPr>
-          <a:xfrm>
-            <a:off x="646112" y="1853248"/>
-            <a:ext cx="9403742" cy="4395151"/>
-          </a:xfrm>
-        </p:spPr>
-        <p:txBody>
-          <a:bodyPr/>
-          <a:lstStyle/>
-          <a:p>
-            <a:r>
-              <a:rPr lang="en-US" dirty="0" smtClean="0"/>
-              <a:t>Compact</a:t>
-            </a:r>
-          </a:p>
-          <a:p>
-            <a:pPr lvl="1">
-              <a:buFont typeface="Courier New" panose="02070309020205020404" pitchFamily="49" charset="0"/>
-              <a:buChar char="o"/>
-            </a:pPr>
-            <a:r>
-              <a:rPr lang="en-US" dirty="0" smtClean="0"/>
-              <a:t>Enables to minimize number of characters and keystrokes required to write a code</a:t>
-            </a:r>
-          </a:p>
-          <a:p>
-            <a:r>
-              <a:rPr lang="en-US" dirty="0" smtClean="0"/>
-              <a:t>Expressive</a:t>
-            </a:r>
-          </a:p>
-          <a:p>
-            <a:pPr lvl="1">
-              <a:buFont typeface="Courier New" panose="02070309020205020404" pitchFamily="49" charset="0"/>
-              <a:buChar char="o"/>
-            </a:pPr>
-            <a:r>
-              <a:rPr lang="en-US" dirty="0" smtClean="0"/>
-              <a:t>Expresses your intent</a:t>
-            </a:r>
-            <a:endParaRPr lang="en-US" dirty="0"/>
-          </a:p>
-          <a:p>
-            <a:r>
-              <a:rPr lang="en-US" dirty="0" smtClean="0"/>
-              <a:t>Fluid</a:t>
-            </a:r>
-          </a:p>
-          <a:p>
-            <a:pPr lvl="1">
-              <a:buFont typeface="Courier New" panose="02070309020205020404" pitchFamily="49" charset="0"/>
-              <a:buChar char="o"/>
-            </a:pPr>
-            <a:r>
-              <a:rPr lang="en-US" dirty="0" smtClean="0"/>
-              <a:t>Fast and fluid coding work flow</a:t>
-            </a:r>
-            <a:endParaRPr lang="en-US" dirty="0"/>
-          </a:p>
-        </p:txBody>
-      </p:sp>
-      <p:sp>
-        <p:nvSpPr>
-          <p:cNvPr id="4" name="Slide Number Placeholder 3"/>
-          <p:cNvSpPr>
-            <a:spLocks noGrp="1"/>
-          </p:cNvSpPr>
-          <p:nvPr>
-            <p:ph type="sldNum" sz="quarter" idx="12"/>
-          </p:nvPr>
-        </p:nvSpPr>
-        <p:spPr/>
-        <p:txBody>
-          <a:bodyPr/>
-          <a:lstStyle/>
-          <a:p>
-            <a:fld id="{E73C2EE0-EB59-4DCA-AF44-49F4EE677EE1}" type="slidenum">
-              <a:rPr lang="en-US" smtClean="0"/>
-              <a:t>7</a:t>
-            </a:fld>
-            <a:endParaRPr lang="en-US"/>
-          </a:p>
-        </p:txBody>
-      </p:sp>
-    </p:spTree>
-    <p:extLst>
-      <p:ext uri="{BB962C8B-B14F-4D97-AF65-F5344CB8AC3E}">
-        <p14:creationId xmlns:p14="http://schemas.microsoft.com/office/powerpoint/2010/main" val="2318515478"/>
-      </p:ext>
-    </p:extLst>
-  </p:cSld>
-  <p:clrMapOvr>
-    <a:masterClrMapping/>
-  </p:clrMapOvr>
-</p:sld>
-</file>
-
-<file path=ppt/slides/slide8.xml><?xml version="1.0" encoding="utf-8"?>
 <p:sld xmlns:a="http://schemas.openxmlformats.org/drawingml/2006/main" xmlns:r="http://schemas.openxmlformats.org/officeDocument/2006/relationships" xmlns:p="http://schemas.openxmlformats.org/presentationml/2006/main">
   <p:cSld>
     <p:spTree>
@@ -9936,9 +10206,39 @@
           <a:p>
             <a:fld id="{E73C2EE0-EB59-4DCA-AF44-49F4EE677EE1}" type="slidenum">
               <a:rPr lang="en-US" smtClean="0"/>
-              <a:t>8</a:t>
+              <a:t>7</a:t>
             </a:fld>
             <a:endParaRPr lang="en-US"/>
+          </a:p>
+        </p:txBody>
+      </p:sp>
+      <p:sp>
+        <p:nvSpPr>
+          <p:cNvPr id="2" name="TextBox 1"/>
+          <p:cNvSpPr txBox="1"/>
+          <p:nvPr/>
+        </p:nvSpPr>
+        <p:spPr>
+          <a:xfrm>
+            <a:off x="8950036" y="6266410"/>
+            <a:ext cx="2466109" cy="369332"/>
+          </a:xfrm>
+          <a:prstGeom prst="rect">
+            <a:avLst/>
+          </a:prstGeom>
+          <a:noFill/>
+        </p:spPr>
+        <p:txBody>
+          <a:bodyPr wrap="square" rtlCol="0">
+            <a:spAutoFit/>
+          </a:bodyPr>
+          <a:lstStyle/>
+          <a:p>
+            <a:r>
+              <a:rPr lang="en-US" dirty="0" smtClean="0"/>
+              <a:t>Bharadwaj Dasari</a:t>
+            </a:r>
+            <a:endParaRPr lang="en-US" dirty="0"/>
           </a:p>
         </p:txBody>
       </p:sp>
@@ -9962,7 +10262,7 @@
 </p:sld>
 </file>
 
-<file path=ppt/slides/slide9.xml><?xml version="1.0" encoding="utf-8"?>
+<file path=ppt/slides/slide8.xml><?xml version="1.0" encoding="utf-8"?>
 <p:sld xmlns:a="http://schemas.openxmlformats.org/drawingml/2006/main" xmlns:r="http://schemas.openxmlformats.org/officeDocument/2006/relationships" xmlns:p="http://schemas.openxmlformats.org/presentationml/2006/main">
   <p:cSld>
     <p:spTree>
@@ -10024,7 +10324,7 @@
           <a:p>
             <a:fld id="{E73C2EE0-EB59-4DCA-AF44-49F4EE677EE1}" type="slidenum">
               <a:rPr lang="en-US" smtClean="0"/>
-              <a:t>9</a:t>
+              <a:t>8</a:t>
             </a:fld>
             <a:endParaRPr lang="en-US"/>
           </a:p>
@@ -10299,10 +10599,281 @@
           </a:graphicData>
         </a:graphic>
       </p:graphicFrame>
+      <p:sp>
+        <p:nvSpPr>
+          <p:cNvPr id="2" name="TextBox 1"/>
+          <p:cNvSpPr txBox="1"/>
+          <p:nvPr/>
+        </p:nvSpPr>
+        <p:spPr>
+          <a:xfrm>
+            <a:off x="8873197" y="6211669"/>
+            <a:ext cx="2355273" cy="646331"/>
+          </a:xfrm>
+          <a:prstGeom prst="rect">
+            <a:avLst/>
+          </a:prstGeom>
+          <a:noFill/>
+        </p:spPr>
+        <p:txBody>
+          <a:bodyPr wrap="square" rtlCol="0">
+            <a:spAutoFit/>
+          </a:bodyPr>
+          <a:lstStyle/>
+          <a:p>
+            <a:r>
+              <a:rPr lang="en-US" dirty="0"/>
+              <a:t>Bharadwaj Dasari</a:t>
+            </a:r>
+          </a:p>
+          <a:p>
+            <a:endParaRPr lang="en-US" dirty="0"/>
+          </a:p>
+        </p:txBody>
+      </p:sp>
     </p:spTree>
     <p:extLst>
       <p:ext uri="{BB962C8B-B14F-4D97-AF65-F5344CB8AC3E}">
         <p14:creationId xmlns:p14="http://schemas.microsoft.com/office/powerpoint/2010/main" val="764644485"/>
+      </p:ext>
+    </p:extLst>
+  </p:cSld>
+  <p:clrMapOvr>
+    <a:masterClrMapping/>
+  </p:clrMapOvr>
+  <p:timing>
+    <p:tnLst>
+      <p:par>
+        <p:cTn id="1" dur="indefinite" restart="never" nodeType="tmRoot"/>
+      </p:par>
+    </p:tnLst>
+  </p:timing>
+</p:sld>
+</file>
+
+<file path=ppt/slides/slide9.xml><?xml version="1.0" encoding="utf-8"?>
+<p:sld xmlns:a="http://schemas.openxmlformats.org/drawingml/2006/main" xmlns:r="http://schemas.openxmlformats.org/officeDocument/2006/relationships" xmlns:p="http://schemas.openxmlformats.org/presentationml/2006/main">
+  <p:cSld>
+    <p:spTree>
+      <p:nvGrpSpPr>
+        <p:cNvPr id="1" name=""/>
+        <p:cNvGrpSpPr/>
+        <p:nvPr/>
+      </p:nvGrpSpPr>
+      <p:grpSpPr>
+        <a:xfrm>
+          <a:off x="0" y="0"/>
+          <a:ext cx="0" cy="0"/>
+          <a:chOff x="0" y="0"/>
+          <a:chExt cx="0" cy="0"/>
+        </a:xfrm>
+      </p:grpSpPr>
+      <p:sp>
+        <p:nvSpPr>
+          <p:cNvPr id="2" name="Title 1"/>
+          <p:cNvSpPr>
+            <a:spLocks noGrp="1"/>
+          </p:cNvSpPr>
+          <p:nvPr>
+            <p:ph type="title"/>
+          </p:nvPr>
+        </p:nvSpPr>
+        <p:spPr>
+          <a:xfrm>
+            <a:off x="554183" y="452718"/>
+            <a:ext cx="9496652" cy="780337"/>
+          </a:xfrm>
+        </p:spPr>
+        <p:txBody>
+          <a:bodyPr/>
+          <a:lstStyle/>
+          <a:p>
+            <a:r>
+              <a:rPr lang="en-US" dirty="0" smtClean="0"/>
+              <a:t>ASPX VS RAZOR</a:t>
+            </a:r>
+            <a:endParaRPr lang="en-US" dirty="0"/>
+          </a:p>
+        </p:txBody>
+      </p:sp>
+      <p:pic>
+        <p:nvPicPr>
+          <p:cNvPr id="5" name="Content Placeholder 4"/>
+          <p:cNvPicPr>
+            <a:picLocks noGrp="1" noChangeAspect="1"/>
+          </p:cNvPicPr>
+          <p:nvPr>
+            <p:ph idx="1"/>
+          </p:nvPr>
+        </p:nvPicPr>
+        <p:blipFill>
+          <a:blip r:embed="rId2">
+            <a:extLst>
+              <a:ext uri="{28A0092B-C50C-407E-A947-70E740481C1C}">
+                <a14:useLocalDpi xmlns:a14="http://schemas.microsoft.com/office/drawing/2010/main" val="0"/>
+              </a:ext>
+            </a:extLst>
+          </a:blip>
+          <a:stretch>
+            <a:fillRect/>
+          </a:stretch>
+        </p:blipFill>
+        <p:spPr>
+          <a:xfrm>
+            <a:off x="554184" y="1534593"/>
+            <a:ext cx="4911810" cy="2774171"/>
+          </a:xfrm>
+        </p:spPr>
+      </p:pic>
+      <p:sp>
+        <p:nvSpPr>
+          <p:cNvPr id="4" name="Slide Number Placeholder 3"/>
+          <p:cNvSpPr>
+            <a:spLocks noGrp="1"/>
+          </p:cNvSpPr>
+          <p:nvPr>
+            <p:ph type="sldNum" sz="quarter" idx="12"/>
+          </p:nvPr>
+        </p:nvSpPr>
+        <p:spPr/>
+        <p:txBody>
+          <a:bodyPr/>
+          <a:lstStyle/>
+          <a:p>
+            <a:fld id="{E73C2EE0-EB59-4DCA-AF44-49F4EE677EE1}" type="slidenum">
+              <a:rPr lang="en-US" smtClean="0"/>
+              <a:t>9</a:t>
+            </a:fld>
+            <a:endParaRPr lang="en-US"/>
+          </a:p>
+        </p:txBody>
+      </p:sp>
+      <p:pic>
+        <p:nvPicPr>
+          <p:cNvPr id="6" name="Picture 5"/>
+          <p:cNvPicPr>
+            <a:picLocks noChangeAspect="1"/>
+          </p:cNvPicPr>
+          <p:nvPr/>
+        </p:nvPicPr>
+        <p:blipFill>
+          <a:blip r:embed="rId3">
+            <a:extLst>
+              <a:ext uri="{28A0092B-C50C-407E-A947-70E740481C1C}">
+                <a14:useLocalDpi xmlns:a14="http://schemas.microsoft.com/office/drawing/2010/main" val="0"/>
+              </a:ext>
+            </a:extLst>
+          </a:blip>
+          <a:stretch>
+            <a:fillRect/>
+          </a:stretch>
+        </p:blipFill>
+        <p:spPr>
+          <a:xfrm>
+            <a:off x="5723389" y="1534593"/>
+            <a:ext cx="5332506" cy="2774171"/>
+          </a:xfrm>
+          <a:prstGeom prst="rect">
+            <a:avLst/>
+          </a:prstGeom>
+        </p:spPr>
+      </p:pic>
+      <p:sp>
+        <p:nvSpPr>
+          <p:cNvPr id="7" name="TextBox 6"/>
+          <p:cNvSpPr txBox="1"/>
+          <p:nvPr/>
+        </p:nvSpPr>
+        <p:spPr>
+          <a:xfrm>
+            <a:off x="1066800" y="4599709"/>
+            <a:ext cx="4156364" cy="369332"/>
+          </a:xfrm>
+          <a:prstGeom prst="rect">
+            <a:avLst/>
+          </a:prstGeom>
+          <a:noFill/>
+        </p:spPr>
+        <p:txBody>
+          <a:bodyPr wrap="square" rtlCol="0">
+            <a:spAutoFit/>
+          </a:bodyPr>
+          <a:lstStyle/>
+          <a:p>
+            <a:r>
+              <a:rPr lang="en-US" dirty="0" smtClean="0"/>
+              <a:t>Sample code from ASPX file</a:t>
+            </a:r>
+            <a:endParaRPr lang="en-US" dirty="0"/>
+          </a:p>
+        </p:txBody>
+      </p:sp>
+      <p:sp>
+        <p:nvSpPr>
+          <p:cNvPr id="8" name="TextBox 7"/>
+          <p:cNvSpPr txBox="1"/>
+          <p:nvPr/>
+        </p:nvSpPr>
+        <p:spPr>
+          <a:xfrm>
+            <a:off x="6428509" y="4599709"/>
+            <a:ext cx="4281055" cy="369332"/>
+          </a:xfrm>
+          <a:prstGeom prst="rect">
+            <a:avLst/>
+          </a:prstGeom>
+          <a:noFill/>
+        </p:spPr>
+        <p:txBody>
+          <a:bodyPr wrap="square" rtlCol="0">
+            <a:spAutoFit/>
+          </a:bodyPr>
+          <a:lstStyle/>
+          <a:p>
+            <a:r>
+              <a:rPr lang="en-US" dirty="0" smtClean="0"/>
+              <a:t>Same code using RAZOR syntax</a:t>
+            </a:r>
+            <a:endParaRPr lang="en-US" dirty="0"/>
+          </a:p>
+        </p:txBody>
+      </p:sp>
+      <p:sp>
+        <p:nvSpPr>
+          <p:cNvPr id="3" name="TextBox 2"/>
+          <p:cNvSpPr txBox="1"/>
+          <p:nvPr/>
+        </p:nvSpPr>
+        <p:spPr>
+          <a:xfrm>
+            <a:off x="9185564" y="6054436"/>
+            <a:ext cx="2369127" cy="646331"/>
+          </a:xfrm>
+          <a:prstGeom prst="rect">
+            <a:avLst/>
+          </a:prstGeom>
+          <a:noFill/>
+        </p:spPr>
+        <p:txBody>
+          <a:bodyPr wrap="square" rtlCol="0">
+            <a:spAutoFit/>
+          </a:bodyPr>
+          <a:lstStyle/>
+          <a:p>
+            <a:r>
+              <a:rPr lang="en-US" dirty="0"/>
+              <a:t>Bharadwaj Dasari</a:t>
+            </a:r>
+          </a:p>
+          <a:p>
+            <a:endParaRPr lang="en-US" dirty="0"/>
+          </a:p>
+        </p:txBody>
+      </p:sp>
+    </p:spTree>
+    <p:extLst>
+      <p:ext uri="{BB962C8B-B14F-4D97-AF65-F5344CB8AC3E}">
+        <p14:creationId xmlns:p14="http://schemas.microsoft.com/office/powerpoint/2010/main" val="667297492"/>
       </p:ext>
     </p:extLst>
   </p:cSld>
